--- a/ppt 16-9/0170.普天同庆.pptx
+++ b/ppt 16-9/0170.普天同庆.pptx
@@ -129,7 +129,7 @@
           <p:cNvPr id="2" name="标题 1">
             <a:extLst>
               <a:ext uri="{FF2B5EF4-FFF2-40B4-BE49-F238E27FC236}">
-                <a16:creationId xmlns:a16="http://schemas.microsoft.com/office/drawing/2014/main" id="{C06C2426-83C1-BE9B-97FD-EF7456AC6BD9}"/>
+                <a16:creationId xmlns:a16="http://schemas.microsoft.com/office/drawing/2014/main" id="{4F7B41DE-1808-BFDF-6CB1-7A6F82F2BEF2}"/>
               </a:ext>
             </a:extLst>
           </p:cNvPr>
@@ -166,7 +166,7 @@
           <p:cNvPr id="3" name="副标题 2">
             <a:extLst>
               <a:ext uri="{FF2B5EF4-FFF2-40B4-BE49-F238E27FC236}">
-                <a16:creationId xmlns:a16="http://schemas.microsoft.com/office/drawing/2014/main" id="{640F39D0-D263-21C9-E719-724750BDA525}"/>
+                <a16:creationId xmlns:a16="http://schemas.microsoft.com/office/drawing/2014/main" id="{5AB71A0D-162E-85A9-221F-5B6336FCC910}"/>
               </a:ext>
             </a:extLst>
           </p:cNvPr>
@@ -236,7 +236,7 @@
           <p:cNvPr id="4" name="日期占位符 3">
             <a:extLst>
               <a:ext uri="{FF2B5EF4-FFF2-40B4-BE49-F238E27FC236}">
-                <a16:creationId xmlns:a16="http://schemas.microsoft.com/office/drawing/2014/main" id="{6C9411CB-C43F-E1A1-F03E-9258AFE8DE67}"/>
+                <a16:creationId xmlns:a16="http://schemas.microsoft.com/office/drawing/2014/main" id="{71F5E68B-9E11-8E93-6C2C-74D826253C60}"/>
               </a:ext>
             </a:extLst>
           </p:cNvPr>
@@ -252,7 +252,7 @@
           <a:bodyPr/>
           <a:lstStyle/>
           <a:p>
-            <a:fld id="{F0DA18D6-AF0C-4F42-97C3-671814C077F2}" type="datetimeFigureOut">
+            <a:fld id="{4B8A7C5B-603C-48EB-BB5B-928BF3CA0026}" type="datetimeFigureOut">
               <a:rPr lang="zh-CN" altLang="en-US" smtClean="0"/>
               <a:t>2024/3/10</a:t>
             </a:fld>
@@ -265,7 +265,7 @@
           <p:cNvPr id="5" name="页脚占位符 4">
             <a:extLst>
               <a:ext uri="{FF2B5EF4-FFF2-40B4-BE49-F238E27FC236}">
-                <a16:creationId xmlns:a16="http://schemas.microsoft.com/office/drawing/2014/main" id="{646A7F18-A727-B8BF-2439-BB7629D60815}"/>
+                <a16:creationId xmlns:a16="http://schemas.microsoft.com/office/drawing/2014/main" id="{228FA4DF-C4B1-8C54-EC90-9090EC39A92E}"/>
               </a:ext>
             </a:extLst>
           </p:cNvPr>
@@ -290,7 +290,7 @@
           <p:cNvPr id="6" name="灯片编号占位符 5">
             <a:extLst>
               <a:ext uri="{FF2B5EF4-FFF2-40B4-BE49-F238E27FC236}">
-                <a16:creationId xmlns:a16="http://schemas.microsoft.com/office/drawing/2014/main" id="{BA7EC359-CFDA-8B8E-3535-CE4DE412A75F}"/>
+                <a16:creationId xmlns:a16="http://schemas.microsoft.com/office/drawing/2014/main" id="{778BB0EA-A805-DB2F-C50C-E04507D9329F}"/>
               </a:ext>
             </a:extLst>
           </p:cNvPr>
@@ -306,7 +306,7 @@
           <a:bodyPr/>
           <a:lstStyle/>
           <a:p>
-            <a:fld id="{CB1DA7F9-1301-4C07-92F3-C07FA01A8515}" type="slidenum">
+            <a:fld id="{1223781B-F375-40C1-8616-F3D007087FEE}" type="slidenum">
               <a:rPr lang="zh-CN" altLang="en-US" smtClean="0"/>
               <a:t>‹#›</a:t>
             </a:fld>
@@ -317,7 +317,7 @@
     </p:spTree>
     <p:extLst>
       <p:ext uri="{BB962C8B-B14F-4D97-AF65-F5344CB8AC3E}">
-        <p14:creationId xmlns:p14="http://schemas.microsoft.com/office/powerpoint/2010/main" val="3773350116"/>
+        <p14:creationId xmlns:p14="http://schemas.microsoft.com/office/powerpoint/2010/main" val="2961671284"/>
       </p:ext>
     </p:extLst>
   </p:cSld>
@@ -349,7 +349,7 @@
           <p:cNvPr id="2" name="标题 1">
             <a:extLst>
               <a:ext uri="{FF2B5EF4-FFF2-40B4-BE49-F238E27FC236}">
-                <a16:creationId xmlns:a16="http://schemas.microsoft.com/office/drawing/2014/main" id="{98ED8DB6-EEC4-3961-0CCB-A25788B2E3EC}"/>
+                <a16:creationId xmlns:a16="http://schemas.microsoft.com/office/drawing/2014/main" id="{757E4A58-92A0-0DD6-B35B-F339A7920E07}"/>
               </a:ext>
             </a:extLst>
           </p:cNvPr>
@@ -377,7 +377,7 @@
           <p:cNvPr id="3" name="竖排文字占位符 2">
             <a:extLst>
               <a:ext uri="{FF2B5EF4-FFF2-40B4-BE49-F238E27FC236}">
-                <a16:creationId xmlns:a16="http://schemas.microsoft.com/office/drawing/2014/main" id="{90809570-2A09-81F2-D06B-8C9F9C7C7443}"/>
+                <a16:creationId xmlns:a16="http://schemas.microsoft.com/office/drawing/2014/main" id="{692FAD6C-2619-D62F-3754-6E3ECA20DA0B}"/>
               </a:ext>
             </a:extLst>
           </p:cNvPr>
@@ -434,7 +434,7 @@
           <p:cNvPr id="4" name="日期占位符 3">
             <a:extLst>
               <a:ext uri="{FF2B5EF4-FFF2-40B4-BE49-F238E27FC236}">
-                <a16:creationId xmlns:a16="http://schemas.microsoft.com/office/drawing/2014/main" id="{4823CA55-9657-AB20-F25E-3140B8C80A05}"/>
+                <a16:creationId xmlns:a16="http://schemas.microsoft.com/office/drawing/2014/main" id="{4DDBA6FB-CDB9-C32A-2B35-F141D4D5474F}"/>
               </a:ext>
             </a:extLst>
           </p:cNvPr>
@@ -450,7 +450,7 @@
           <a:bodyPr/>
           <a:lstStyle/>
           <a:p>
-            <a:fld id="{F0DA18D6-AF0C-4F42-97C3-671814C077F2}" type="datetimeFigureOut">
+            <a:fld id="{4B8A7C5B-603C-48EB-BB5B-928BF3CA0026}" type="datetimeFigureOut">
               <a:rPr lang="zh-CN" altLang="en-US" smtClean="0"/>
               <a:t>2024/3/10</a:t>
             </a:fld>
@@ -463,7 +463,7 @@
           <p:cNvPr id="5" name="页脚占位符 4">
             <a:extLst>
               <a:ext uri="{FF2B5EF4-FFF2-40B4-BE49-F238E27FC236}">
-                <a16:creationId xmlns:a16="http://schemas.microsoft.com/office/drawing/2014/main" id="{E9801AA1-78B5-29E6-9E37-4A883AAA4293}"/>
+                <a16:creationId xmlns:a16="http://schemas.microsoft.com/office/drawing/2014/main" id="{78DD0A8E-8F07-445B-D77F-2CA1A23CFE13}"/>
               </a:ext>
             </a:extLst>
           </p:cNvPr>
@@ -488,7 +488,7 @@
           <p:cNvPr id="6" name="灯片编号占位符 5">
             <a:extLst>
               <a:ext uri="{FF2B5EF4-FFF2-40B4-BE49-F238E27FC236}">
-                <a16:creationId xmlns:a16="http://schemas.microsoft.com/office/drawing/2014/main" id="{6867249D-E9B9-4018-0B74-69EC4001D8F9}"/>
+                <a16:creationId xmlns:a16="http://schemas.microsoft.com/office/drawing/2014/main" id="{C0936FC6-23D3-41AA-0640-493DD2DF1486}"/>
               </a:ext>
             </a:extLst>
           </p:cNvPr>
@@ -504,7 +504,7 @@
           <a:bodyPr/>
           <a:lstStyle/>
           <a:p>
-            <a:fld id="{CB1DA7F9-1301-4C07-92F3-C07FA01A8515}" type="slidenum">
+            <a:fld id="{1223781B-F375-40C1-8616-F3D007087FEE}" type="slidenum">
               <a:rPr lang="zh-CN" altLang="en-US" smtClean="0"/>
               <a:t>‹#›</a:t>
             </a:fld>
@@ -515,7 +515,7 @@
     </p:spTree>
     <p:extLst>
       <p:ext uri="{BB962C8B-B14F-4D97-AF65-F5344CB8AC3E}">
-        <p14:creationId xmlns:p14="http://schemas.microsoft.com/office/powerpoint/2010/main" val="2172489076"/>
+        <p14:creationId xmlns:p14="http://schemas.microsoft.com/office/powerpoint/2010/main" val="4033115543"/>
       </p:ext>
     </p:extLst>
   </p:cSld>
@@ -547,7 +547,7 @@
           <p:cNvPr id="2" name="竖排标题 1">
             <a:extLst>
               <a:ext uri="{FF2B5EF4-FFF2-40B4-BE49-F238E27FC236}">
-                <a16:creationId xmlns:a16="http://schemas.microsoft.com/office/drawing/2014/main" id="{2C31AFAA-CD8D-2112-6022-3F69BACCDA47}"/>
+                <a16:creationId xmlns:a16="http://schemas.microsoft.com/office/drawing/2014/main" id="{ACBB673E-68BB-23A2-DF5A-86651954DC89}"/>
               </a:ext>
             </a:extLst>
           </p:cNvPr>
@@ -580,7 +580,7 @@
           <p:cNvPr id="3" name="竖排文字占位符 2">
             <a:extLst>
               <a:ext uri="{FF2B5EF4-FFF2-40B4-BE49-F238E27FC236}">
-                <a16:creationId xmlns:a16="http://schemas.microsoft.com/office/drawing/2014/main" id="{57C69715-E136-B4D6-0BD0-8E05FEA5415B}"/>
+                <a16:creationId xmlns:a16="http://schemas.microsoft.com/office/drawing/2014/main" id="{682B8C3D-D01D-30DF-9BF3-D99693E5B0E0}"/>
               </a:ext>
             </a:extLst>
           </p:cNvPr>
@@ -642,7 +642,7 @@
           <p:cNvPr id="4" name="日期占位符 3">
             <a:extLst>
               <a:ext uri="{FF2B5EF4-FFF2-40B4-BE49-F238E27FC236}">
-                <a16:creationId xmlns:a16="http://schemas.microsoft.com/office/drawing/2014/main" id="{72A59568-AB6C-6B82-1B03-C2F3A19BEFAA}"/>
+                <a16:creationId xmlns:a16="http://schemas.microsoft.com/office/drawing/2014/main" id="{6CE6FC58-BEBF-CC49-EB57-5234E13A77A2}"/>
               </a:ext>
             </a:extLst>
           </p:cNvPr>
@@ -658,7 +658,7 @@
           <a:bodyPr/>
           <a:lstStyle/>
           <a:p>
-            <a:fld id="{F0DA18D6-AF0C-4F42-97C3-671814C077F2}" type="datetimeFigureOut">
+            <a:fld id="{4B8A7C5B-603C-48EB-BB5B-928BF3CA0026}" type="datetimeFigureOut">
               <a:rPr lang="zh-CN" altLang="en-US" smtClean="0"/>
               <a:t>2024/3/10</a:t>
             </a:fld>
@@ -671,7 +671,7 @@
           <p:cNvPr id="5" name="页脚占位符 4">
             <a:extLst>
               <a:ext uri="{FF2B5EF4-FFF2-40B4-BE49-F238E27FC236}">
-                <a16:creationId xmlns:a16="http://schemas.microsoft.com/office/drawing/2014/main" id="{49AF0FE0-EF83-EB2D-9AAB-672D7BB5A744}"/>
+                <a16:creationId xmlns:a16="http://schemas.microsoft.com/office/drawing/2014/main" id="{2E88E1CE-FAA5-967B-9593-5E3C52BA87D9}"/>
               </a:ext>
             </a:extLst>
           </p:cNvPr>
@@ -696,7 +696,7 @@
           <p:cNvPr id="6" name="灯片编号占位符 5">
             <a:extLst>
               <a:ext uri="{FF2B5EF4-FFF2-40B4-BE49-F238E27FC236}">
-                <a16:creationId xmlns:a16="http://schemas.microsoft.com/office/drawing/2014/main" id="{774CD2BA-33CB-658B-80AD-90D57B8C4514}"/>
+                <a16:creationId xmlns:a16="http://schemas.microsoft.com/office/drawing/2014/main" id="{5E7255F3-4A7B-C5D7-99F0-D0F7879C53A0}"/>
               </a:ext>
             </a:extLst>
           </p:cNvPr>
@@ -712,7 +712,7 @@
           <a:bodyPr/>
           <a:lstStyle/>
           <a:p>
-            <a:fld id="{CB1DA7F9-1301-4C07-92F3-C07FA01A8515}" type="slidenum">
+            <a:fld id="{1223781B-F375-40C1-8616-F3D007087FEE}" type="slidenum">
               <a:rPr lang="zh-CN" altLang="en-US" smtClean="0"/>
               <a:t>‹#›</a:t>
             </a:fld>
@@ -723,7 +723,7 @@
     </p:spTree>
     <p:extLst>
       <p:ext uri="{BB962C8B-B14F-4D97-AF65-F5344CB8AC3E}">
-        <p14:creationId xmlns:p14="http://schemas.microsoft.com/office/powerpoint/2010/main" val="2376860687"/>
+        <p14:creationId xmlns:p14="http://schemas.microsoft.com/office/powerpoint/2010/main" val="2417990441"/>
       </p:ext>
     </p:extLst>
   </p:cSld>
@@ -755,7 +755,7 @@
           <p:cNvPr id="2" name="标题 1">
             <a:extLst>
               <a:ext uri="{FF2B5EF4-FFF2-40B4-BE49-F238E27FC236}">
-                <a16:creationId xmlns:a16="http://schemas.microsoft.com/office/drawing/2014/main" id="{3E05ACBA-904E-B60A-2FF4-5FAA348CDEA7}"/>
+                <a16:creationId xmlns:a16="http://schemas.microsoft.com/office/drawing/2014/main" id="{80F82023-4865-54B7-8592-5A9A2A148026}"/>
               </a:ext>
             </a:extLst>
           </p:cNvPr>
@@ -783,7 +783,7 @@
           <p:cNvPr id="3" name="内容占位符 2">
             <a:extLst>
               <a:ext uri="{FF2B5EF4-FFF2-40B4-BE49-F238E27FC236}">
-                <a16:creationId xmlns:a16="http://schemas.microsoft.com/office/drawing/2014/main" id="{84FB8DBE-1366-63C4-9902-BDEA2C2ACE30}"/>
+                <a16:creationId xmlns:a16="http://schemas.microsoft.com/office/drawing/2014/main" id="{880C075D-815A-326F-CE2E-7CE9A66461F6}"/>
               </a:ext>
             </a:extLst>
           </p:cNvPr>
@@ -840,7 +840,7 @@
           <p:cNvPr id="4" name="日期占位符 3">
             <a:extLst>
               <a:ext uri="{FF2B5EF4-FFF2-40B4-BE49-F238E27FC236}">
-                <a16:creationId xmlns:a16="http://schemas.microsoft.com/office/drawing/2014/main" id="{F683728B-C2CB-2821-66E7-830D852F87A8}"/>
+                <a16:creationId xmlns:a16="http://schemas.microsoft.com/office/drawing/2014/main" id="{4400798C-3806-2E0C-84D0-7618288C520F}"/>
               </a:ext>
             </a:extLst>
           </p:cNvPr>
@@ -856,7 +856,7 @@
           <a:bodyPr/>
           <a:lstStyle/>
           <a:p>
-            <a:fld id="{F0DA18D6-AF0C-4F42-97C3-671814C077F2}" type="datetimeFigureOut">
+            <a:fld id="{4B8A7C5B-603C-48EB-BB5B-928BF3CA0026}" type="datetimeFigureOut">
               <a:rPr lang="zh-CN" altLang="en-US" smtClean="0"/>
               <a:t>2024/3/10</a:t>
             </a:fld>
@@ -869,7 +869,7 @@
           <p:cNvPr id="5" name="页脚占位符 4">
             <a:extLst>
               <a:ext uri="{FF2B5EF4-FFF2-40B4-BE49-F238E27FC236}">
-                <a16:creationId xmlns:a16="http://schemas.microsoft.com/office/drawing/2014/main" id="{9992695C-F055-B5F8-210F-C9EC5AEC3219}"/>
+                <a16:creationId xmlns:a16="http://schemas.microsoft.com/office/drawing/2014/main" id="{36608071-1BBB-2369-8D37-1A047DE78AD7}"/>
               </a:ext>
             </a:extLst>
           </p:cNvPr>
@@ -894,7 +894,7 @@
           <p:cNvPr id="6" name="灯片编号占位符 5">
             <a:extLst>
               <a:ext uri="{FF2B5EF4-FFF2-40B4-BE49-F238E27FC236}">
-                <a16:creationId xmlns:a16="http://schemas.microsoft.com/office/drawing/2014/main" id="{2D986469-3F24-C60C-58FD-C25FA6BEA58B}"/>
+                <a16:creationId xmlns:a16="http://schemas.microsoft.com/office/drawing/2014/main" id="{F0B0615C-C4DA-C7E2-9D8C-127420D7D75D}"/>
               </a:ext>
             </a:extLst>
           </p:cNvPr>
@@ -910,7 +910,7 @@
           <a:bodyPr/>
           <a:lstStyle/>
           <a:p>
-            <a:fld id="{CB1DA7F9-1301-4C07-92F3-C07FA01A8515}" type="slidenum">
+            <a:fld id="{1223781B-F375-40C1-8616-F3D007087FEE}" type="slidenum">
               <a:rPr lang="zh-CN" altLang="en-US" smtClean="0"/>
               <a:t>‹#›</a:t>
             </a:fld>
@@ -921,7 +921,7 @@
     </p:spTree>
     <p:extLst>
       <p:ext uri="{BB962C8B-B14F-4D97-AF65-F5344CB8AC3E}">
-        <p14:creationId xmlns:p14="http://schemas.microsoft.com/office/powerpoint/2010/main" val="229800822"/>
+        <p14:creationId xmlns:p14="http://schemas.microsoft.com/office/powerpoint/2010/main" val="1099130312"/>
       </p:ext>
     </p:extLst>
   </p:cSld>
@@ -953,7 +953,7 @@
           <p:cNvPr id="2" name="标题 1">
             <a:extLst>
               <a:ext uri="{FF2B5EF4-FFF2-40B4-BE49-F238E27FC236}">
-                <a16:creationId xmlns:a16="http://schemas.microsoft.com/office/drawing/2014/main" id="{1B2177ED-DD7A-EA40-789D-123D31821C35}"/>
+                <a16:creationId xmlns:a16="http://schemas.microsoft.com/office/drawing/2014/main" id="{5D992F3A-B008-D5EB-A266-98257674EA1E}"/>
               </a:ext>
             </a:extLst>
           </p:cNvPr>
@@ -990,7 +990,7 @@
           <p:cNvPr id="3" name="文本占位符 2">
             <a:extLst>
               <a:ext uri="{FF2B5EF4-FFF2-40B4-BE49-F238E27FC236}">
-                <a16:creationId xmlns:a16="http://schemas.microsoft.com/office/drawing/2014/main" id="{7237A1C8-C5E6-1C92-8483-2895FD7177A2}"/>
+                <a16:creationId xmlns:a16="http://schemas.microsoft.com/office/drawing/2014/main" id="{2B055E84-4460-CBCA-381F-DF091FD8A8B2}"/>
               </a:ext>
             </a:extLst>
           </p:cNvPr>
@@ -1115,7 +1115,7 @@
           <p:cNvPr id="4" name="日期占位符 3">
             <a:extLst>
               <a:ext uri="{FF2B5EF4-FFF2-40B4-BE49-F238E27FC236}">
-                <a16:creationId xmlns:a16="http://schemas.microsoft.com/office/drawing/2014/main" id="{803888E2-6DA5-516F-05E1-FB633DF9DAD4}"/>
+                <a16:creationId xmlns:a16="http://schemas.microsoft.com/office/drawing/2014/main" id="{60AFB215-9806-1E94-C39F-EBF19B3C80CE}"/>
               </a:ext>
             </a:extLst>
           </p:cNvPr>
@@ -1131,7 +1131,7 @@
           <a:bodyPr/>
           <a:lstStyle/>
           <a:p>
-            <a:fld id="{F0DA18D6-AF0C-4F42-97C3-671814C077F2}" type="datetimeFigureOut">
+            <a:fld id="{4B8A7C5B-603C-48EB-BB5B-928BF3CA0026}" type="datetimeFigureOut">
               <a:rPr lang="zh-CN" altLang="en-US" smtClean="0"/>
               <a:t>2024/3/10</a:t>
             </a:fld>
@@ -1144,7 +1144,7 @@
           <p:cNvPr id="5" name="页脚占位符 4">
             <a:extLst>
               <a:ext uri="{FF2B5EF4-FFF2-40B4-BE49-F238E27FC236}">
-                <a16:creationId xmlns:a16="http://schemas.microsoft.com/office/drawing/2014/main" id="{14FD119D-6064-0D77-1971-11E8DBAF803B}"/>
+                <a16:creationId xmlns:a16="http://schemas.microsoft.com/office/drawing/2014/main" id="{C040243B-6480-FEF6-043B-59C82CFDBB9B}"/>
               </a:ext>
             </a:extLst>
           </p:cNvPr>
@@ -1169,7 +1169,7 @@
           <p:cNvPr id="6" name="灯片编号占位符 5">
             <a:extLst>
               <a:ext uri="{FF2B5EF4-FFF2-40B4-BE49-F238E27FC236}">
-                <a16:creationId xmlns:a16="http://schemas.microsoft.com/office/drawing/2014/main" id="{5F6EC52B-A5BD-4F64-5A06-2EBA99A3FC7B}"/>
+                <a16:creationId xmlns:a16="http://schemas.microsoft.com/office/drawing/2014/main" id="{B612803D-5A4E-B560-7F2C-F2B40E4D7C27}"/>
               </a:ext>
             </a:extLst>
           </p:cNvPr>
@@ -1185,7 +1185,7 @@
           <a:bodyPr/>
           <a:lstStyle/>
           <a:p>
-            <a:fld id="{CB1DA7F9-1301-4C07-92F3-C07FA01A8515}" type="slidenum">
+            <a:fld id="{1223781B-F375-40C1-8616-F3D007087FEE}" type="slidenum">
               <a:rPr lang="zh-CN" altLang="en-US" smtClean="0"/>
               <a:t>‹#›</a:t>
             </a:fld>
@@ -1196,7 +1196,7 @@
     </p:spTree>
     <p:extLst>
       <p:ext uri="{BB962C8B-B14F-4D97-AF65-F5344CB8AC3E}">
-        <p14:creationId xmlns:p14="http://schemas.microsoft.com/office/powerpoint/2010/main" val="3837653949"/>
+        <p14:creationId xmlns:p14="http://schemas.microsoft.com/office/powerpoint/2010/main" val="4179439732"/>
       </p:ext>
     </p:extLst>
   </p:cSld>
@@ -1228,7 +1228,7 @@
           <p:cNvPr id="2" name="标题 1">
             <a:extLst>
               <a:ext uri="{FF2B5EF4-FFF2-40B4-BE49-F238E27FC236}">
-                <a16:creationId xmlns:a16="http://schemas.microsoft.com/office/drawing/2014/main" id="{F477A497-F6C4-F44B-5A85-9671F4EA2665}"/>
+                <a16:creationId xmlns:a16="http://schemas.microsoft.com/office/drawing/2014/main" id="{193951CC-76C1-90B1-910C-89A4EBEED6B9}"/>
               </a:ext>
             </a:extLst>
           </p:cNvPr>
@@ -1256,7 +1256,7 @@
           <p:cNvPr id="3" name="内容占位符 2">
             <a:extLst>
               <a:ext uri="{FF2B5EF4-FFF2-40B4-BE49-F238E27FC236}">
-                <a16:creationId xmlns:a16="http://schemas.microsoft.com/office/drawing/2014/main" id="{932CF6B4-2164-5FA0-BF7E-339D696E42FF}"/>
+                <a16:creationId xmlns:a16="http://schemas.microsoft.com/office/drawing/2014/main" id="{73C47322-AF4C-353F-64F3-5AE4987D0342}"/>
               </a:ext>
             </a:extLst>
           </p:cNvPr>
@@ -1318,7 +1318,7 @@
           <p:cNvPr id="4" name="内容占位符 3">
             <a:extLst>
               <a:ext uri="{FF2B5EF4-FFF2-40B4-BE49-F238E27FC236}">
-                <a16:creationId xmlns:a16="http://schemas.microsoft.com/office/drawing/2014/main" id="{C1D8DDB9-5EB8-306D-A509-AA37A8984581}"/>
+                <a16:creationId xmlns:a16="http://schemas.microsoft.com/office/drawing/2014/main" id="{D50297DE-505B-D2C2-42A6-5630B7AD7EFE}"/>
               </a:ext>
             </a:extLst>
           </p:cNvPr>
@@ -1380,7 +1380,7 @@
           <p:cNvPr id="5" name="日期占位符 4">
             <a:extLst>
               <a:ext uri="{FF2B5EF4-FFF2-40B4-BE49-F238E27FC236}">
-                <a16:creationId xmlns:a16="http://schemas.microsoft.com/office/drawing/2014/main" id="{F02622BF-A99B-F6A6-C795-90EE752A70F8}"/>
+                <a16:creationId xmlns:a16="http://schemas.microsoft.com/office/drawing/2014/main" id="{A6EB0D30-B5DE-C493-64D4-9D78CD55A2B1}"/>
               </a:ext>
             </a:extLst>
           </p:cNvPr>
@@ -1396,7 +1396,7 @@
           <a:bodyPr/>
           <a:lstStyle/>
           <a:p>
-            <a:fld id="{F0DA18D6-AF0C-4F42-97C3-671814C077F2}" type="datetimeFigureOut">
+            <a:fld id="{4B8A7C5B-603C-48EB-BB5B-928BF3CA0026}" type="datetimeFigureOut">
               <a:rPr lang="zh-CN" altLang="en-US" smtClean="0"/>
               <a:t>2024/3/10</a:t>
             </a:fld>
@@ -1409,7 +1409,7 @@
           <p:cNvPr id="6" name="页脚占位符 5">
             <a:extLst>
               <a:ext uri="{FF2B5EF4-FFF2-40B4-BE49-F238E27FC236}">
-                <a16:creationId xmlns:a16="http://schemas.microsoft.com/office/drawing/2014/main" id="{5C2B4907-8EDC-D28B-04BE-B583C6B3693F}"/>
+                <a16:creationId xmlns:a16="http://schemas.microsoft.com/office/drawing/2014/main" id="{0991BD30-2FB7-2711-2021-0101841A8378}"/>
               </a:ext>
             </a:extLst>
           </p:cNvPr>
@@ -1434,7 +1434,7 @@
           <p:cNvPr id="7" name="灯片编号占位符 6">
             <a:extLst>
               <a:ext uri="{FF2B5EF4-FFF2-40B4-BE49-F238E27FC236}">
-                <a16:creationId xmlns:a16="http://schemas.microsoft.com/office/drawing/2014/main" id="{8F738191-66E7-9A65-2490-16810A95A527}"/>
+                <a16:creationId xmlns:a16="http://schemas.microsoft.com/office/drawing/2014/main" id="{CDBEA6DF-0749-FF31-65E7-B5B206195393}"/>
               </a:ext>
             </a:extLst>
           </p:cNvPr>
@@ -1450,7 +1450,7 @@
           <a:bodyPr/>
           <a:lstStyle/>
           <a:p>
-            <a:fld id="{CB1DA7F9-1301-4C07-92F3-C07FA01A8515}" type="slidenum">
+            <a:fld id="{1223781B-F375-40C1-8616-F3D007087FEE}" type="slidenum">
               <a:rPr lang="zh-CN" altLang="en-US" smtClean="0"/>
               <a:t>‹#›</a:t>
             </a:fld>
@@ -1461,7 +1461,7 @@
     </p:spTree>
     <p:extLst>
       <p:ext uri="{BB962C8B-B14F-4D97-AF65-F5344CB8AC3E}">
-        <p14:creationId xmlns:p14="http://schemas.microsoft.com/office/powerpoint/2010/main" val="3331460849"/>
+        <p14:creationId xmlns:p14="http://schemas.microsoft.com/office/powerpoint/2010/main" val="2481718256"/>
       </p:ext>
     </p:extLst>
   </p:cSld>
@@ -1493,7 +1493,7 @@
           <p:cNvPr id="2" name="标题 1">
             <a:extLst>
               <a:ext uri="{FF2B5EF4-FFF2-40B4-BE49-F238E27FC236}">
-                <a16:creationId xmlns:a16="http://schemas.microsoft.com/office/drawing/2014/main" id="{B5049ACE-6458-568D-FAC5-29A3A7A37DDC}"/>
+                <a16:creationId xmlns:a16="http://schemas.microsoft.com/office/drawing/2014/main" id="{8ABEBE74-604F-2A30-3B9D-3A891E6EECD5}"/>
               </a:ext>
             </a:extLst>
           </p:cNvPr>
@@ -1526,7 +1526,7 @@
           <p:cNvPr id="3" name="文本占位符 2">
             <a:extLst>
               <a:ext uri="{FF2B5EF4-FFF2-40B4-BE49-F238E27FC236}">
-                <a16:creationId xmlns:a16="http://schemas.microsoft.com/office/drawing/2014/main" id="{B2A419F1-01CA-4355-E746-03E15CC66B30}"/>
+                <a16:creationId xmlns:a16="http://schemas.microsoft.com/office/drawing/2014/main" id="{037C096B-F840-D9C3-F3FF-63A3B886C9E7}"/>
               </a:ext>
             </a:extLst>
           </p:cNvPr>
@@ -1597,7 +1597,7 @@
           <p:cNvPr id="4" name="内容占位符 3">
             <a:extLst>
               <a:ext uri="{FF2B5EF4-FFF2-40B4-BE49-F238E27FC236}">
-                <a16:creationId xmlns:a16="http://schemas.microsoft.com/office/drawing/2014/main" id="{07789C5D-E045-100C-22F8-7A4F10C4EA49}"/>
+                <a16:creationId xmlns:a16="http://schemas.microsoft.com/office/drawing/2014/main" id="{5A3AEFA2-0644-4A70-8FE7-7C9D039A6738}"/>
               </a:ext>
             </a:extLst>
           </p:cNvPr>
@@ -1659,7 +1659,7 @@
           <p:cNvPr id="5" name="文本占位符 4">
             <a:extLst>
               <a:ext uri="{FF2B5EF4-FFF2-40B4-BE49-F238E27FC236}">
-                <a16:creationId xmlns:a16="http://schemas.microsoft.com/office/drawing/2014/main" id="{97C57C8F-FFB2-5560-B519-997C4CD32005}"/>
+                <a16:creationId xmlns:a16="http://schemas.microsoft.com/office/drawing/2014/main" id="{C4EAB9EC-AF18-2174-9921-90F8D984945D}"/>
               </a:ext>
             </a:extLst>
           </p:cNvPr>
@@ -1730,7 +1730,7 @@
           <p:cNvPr id="6" name="内容占位符 5">
             <a:extLst>
               <a:ext uri="{FF2B5EF4-FFF2-40B4-BE49-F238E27FC236}">
-                <a16:creationId xmlns:a16="http://schemas.microsoft.com/office/drawing/2014/main" id="{3D9A0F62-8D5A-65BE-8E72-96CAA991943C}"/>
+                <a16:creationId xmlns:a16="http://schemas.microsoft.com/office/drawing/2014/main" id="{157BFE4B-D81B-0EB7-611E-6F0FEAC41C49}"/>
               </a:ext>
             </a:extLst>
           </p:cNvPr>
@@ -1792,7 +1792,7 @@
           <p:cNvPr id="7" name="日期占位符 6">
             <a:extLst>
               <a:ext uri="{FF2B5EF4-FFF2-40B4-BE49-F238E27FC236}">
-                <a16:creationId xmlns:a16="http://schemas.microsoft.com/office/drawing/2014/main" id="{FDF66EDA-14F6-6B07-AC3F-E369E343E4F8}"/>
+                <a16:creationId xmlns:a16="http://schemas.microsoft.com/office/drawing/2014/main" id="{172010B7-95CF-65B5-059C-71E2243755BD}"/>
               </a:ext>
             </a:extLst>
           </p:cNvPr>
@@ -1808,7 +1808,7 @@
           <a:bodyPr/>
           <a:lstStyle/>
           <a:p>
-            <a:fld id="{F0DA18D6-AF0C-4F42-97C3-671814C077F2}" type="datetimeFigureOut">
+            <a:fld id="{4B8A7C5B-603C-48EB-BB5B-928BF3CA0026}" type="datetimeFigureOut">
               <a:rPr lang="zh-CN" altLang="en-US" smtClean="0"/>
               <a:t>2024/3/10</a:t>
             </a:fld>
@@ -1821,7 +1821,7 @@
           <p:cNvPr id="8" name="页脚占位符 7">
             <a:extLst>
               <a:ext uri="{FF2B5EF4-FFF2-40B4-BE49-F238E27FC236}">
-                <a16:creationId xmlns:a16="http://schemas.microsoft.com/office/drawing/2014/main" id="{93F5BA3B-0E6F-86A5-9469-6373A72DC61D}"/>
+                <a16:creationId xmlns:a16="http://schemas.microsoft.com/office/drawing/2014/main" id="{002726ED-ED4F-67D1-0E96-8A678D6087B9}"/>
               </a:ext>
             </a:extLst>
           </p:cNvPr>
@@ -1846,7 +1846,7 @@
           <p:cNvPr id="9" name="灯片编号占位符 8">
             <a:extLst>
               <a:ext uri="{FF2B5EF4-FFF2-40B4-BE49-F238E27FC236}">
-                <a16:creationId xmlns:a16="http://schemas.microsoft.com/office/drawing/2014/main" id="{DF1E1CF1-1CC8-16A0-BDE5-58D8239D4B32}"/>
+                <a16:creationId xmlns:a16="http://schemas.microsoft.com/office/drawing/2014/main" id="{1CB37025-69D1-0E17-81E8-B3CF7270457D}"/>
               </a:ext>
             </a:extLst>
           </p:cNvPr>
@@ -1862,7 +1862,7 @@
           <a:bodyPr/>
           <a:lstStyle/>
           <a:p>
-            <a:fld id="{CB1DA7F9-1301-4C07-92F3-C07FA01A8515}" type="slidenum">
+            <a:fld id="{1223781B-F375-40C1-8616-F3D007087FEE}" type="slidenum">
               <a:rPr lang="zh-CN" altLang="en-US" smtClean="0"/>
               <a:t>‹#›</a:t>
             </a:fld>
@@ -1873,7 +1873,7 @@
     </p:spTree>
     <p:extLst>
       <p:ext uri="{BB962C8B-B14F-4D97-AF65-F5344CB8AC3E}">
-        <p14:creationId xmlns:p14="http://schemas.microsoft.com/office/powerpoint/2010/main" val="3044602413"/>
+        <p14:creationId xmlns:p14="http://schemas.microsoft.com/office/powerpoint/2010/main" val="3565618954"/>
       </p:ext>
     </p:extLst>
   </p:cSld>
@@ -1905,7 +1905,7 @@
           <p:cNvPr id="2" name="标题 1">
             <a:extLst>
               <a:ext uri="{FF2B5EF4-FFF2-40B4-BE49-F238E27FC236}">
-                <a16:creationId xmlns:a16="http://schemas.microsoft.com/office/drawing/2014/main" id="{FFB04918-8152-08EA-4377-759A556AE741}"/>
+                <a16:creationId xmlns:a16="http://schemas.microsoft.com/office/drawing/2014/main" id="{19D78FCB-A89D-7C35-B883-681381AD23B4}"/>
               </a:ext>
             </a:extLst>
           </p:cNvPr>
@@ -1933,7 +1933,7 @@
           <p:cNvPr id="3" name="日期占位符 2">
             <a:extLst>
               <a:ext uri="{FF2B5EF4-FFF2-40B4-BE49-F238E27FC236}">
-                <a16:creationId xmlns:a16="http://schemas.microsoft.com/office/drawing/2014/main" id="{954C62FC-EB3C-EF16-2286-F364C0BDB6C2}"/>
+                <a16:creationId xmlns:a16="http://schemas.microsoft.com/office/drawing/2014/main" id="{3A8AB1F0-0929-D014-5212-CDD2CEEC874E}"/>
               </a:ext>
             </a:extLst>
           </p:cNvPr>
@@ -1949,7 +1949,7 @@
           <a:bodyPr/>
           <a:lstStyle/>
           <a:p>
-            <a:fld id="{F0DA18D6-AF0C-4F42-97C3-671814C077F2}" type="datetimeFigureOut">
+            <a:fld id="{4B8A7C5B-603C-48EB-BB5B-928BF3CA0026}" type="datetimeFigureOut">
               <a:rPr lang="zh-CN" altLang="en-US" smtClean="0"/>
               <a:t>2024/3/10</a:t>
             </a:fld>
@@ -1962,7 +1962,7 @@
           <p:cNvPr id="4" name="页脚占位符 3">
             <a:extLst>
               <a:ext uri="{FF2B5EF4-FFF2-40B4-BE49-F238E27FC236}">
-                <a16:creationId xmlns:a16="http://schemas.microsoft.com/office/drawing/2014/main" id="{40FC815B-F19E-8918-451A-719925D208DA}"/>
+                <a16:creationId xmlns:a16="http://schemas.microsoft.com/office/drawing/2014/main" id="{7A3E811F-92D0-7160-5D2C-CA54E3F606AE}"/>
               </a:ext>
             </a:extLst>
           </p:cNvPr>
@@ -1987,7 +1987,7 @@
           <p:cNvPr id="5" name="灯片编号占位符 4">
             <a:extLst>
               <a:ext uri="{FF2B5EF4-FFF2-40B4-BE49-F238E27FC236}">
-                <a16:creationId xmlns:a16="http://schemas.microsoft.com/office/drawing/2014/main" id="{C82C6C3C-D9B6-C7B3-2C29-F9DB60C60F9C}"/>
+                <a16:creationId xmlns:a16="http://schemas.microsoft.com/office/drawing/2014/main" id="{E6CCD03E-843C-5215-A10C-62B4D2E7D616}"/>
               </a:ext>
             </a:extLst>
           </p:cNvPr>
@@ -2003,7 +2003,7 @@
           <a:bodyPr/>
           <a:lstStyle/>
           <a:p>
-            <a:fld id="{CB1DA7F9-1301-4C07-92F3-C07FA01A8515}" type="slidenum">
+            <a:fld id="{1223781B-F375-40C1-8616-F3D007087FEE}" type="slidenum">
               <a:rPr lang="zh-CN" altLang="en-US" smtClean="0"/>
               <a:t>‹#›</a:t>
             </a:fld>
@@ -2014,7 +2014,7 @@
     </p:spTree>
     <p:extLst>
       <p:ext uri="{BB962C8B-B14F-4D97-AF65-F5344CB8AC3E}">
-        <p14:creationId xmlns:p14="http://schemas.microsoft.com/office/powerpoint/2010/main" val="2252198446"/>
+        <p14:creationId xmlns:p14="http://schemas.microsoft.com/office/powerpoint/2010/main" val="3096145469"/>
       </p:ext>
     </p:extLst>
   </p:cSld>
@@ -2046,7 +2046,7 @@
           <p:cNvPr id="2" name="日期占位符 1">
             <a:extLst>
               <a:ext uri="{FF2B5EF4-FFF2-40B4-BE49-F238E27FC236}">
-                <a16:creationId xmlns:a16="http://schemas.microsoft.com/office/drawing/2014/main" id="{8F0DEF8C-7C07-6A06-7738-7621DA24535F}"/>
+                <a16:creationId xmlns:a16="http://schemas.microsoft.com/office/drawing/2014/main" id="{145F61D0-D23A-DA41-ABFD-386A811B8194}"/>
               </a:ext>
             </a:extLst>
           </p:cNvPr>
@@ -2062,7 +2062,7 @@
           <a:bodyPr/>
           <a:lstStyle/>
           <a:p>
-            <a:fld id="{F0DA18D6-AF0C-4F42-97C3-671814C077F2}" type="datetimeFigureOut">
+            <a:fld id="{4B8A7C5B-603C-48EB-BB5B-928BF3CA0026}" type="datetimeFigureOut">
               <a:rPr lang="zh-CN" altLang="en-US" smtClean="0"/>
               <a:t>2024/3/10</a:t>
             </a:fld>
@@ -2075,7 +2075,7 @@
           <p:cNvPr id="3" name="页脚占位符 2">
             <a:extLst>
               <a:ext uri="{FF2B5EF4-FFF2-40B4-BE49-F238E27FC236}">
-                <a16:creationId xmlns:a16="http://schemas.microsoft.com/office/drawing/2014/main" id="{60A45224-5AB6-9F05-3CE6-EDBED5291920}"/>
+                <a16:creationId xmlns:a16="http://schemas.microsoft.com/office/drawing/2014/main" id="{110CDF70-C0CB-919E-D036-0661C16BAFEE}"/>
               </a:ext>
             </a:extLst>
           </p:cNvPr>
@@ -2100,7 +2100,7 @@
           <p:cNvPr id="4" name="灯片编号占位符 3">
             <a:extLst>
               <a:ext uri="{FF2B5EF4-FFF2-40B4-BE49-F238E27FC236}">
-                <a16:creationId xmlns:a16="http://schemas.microsoft.com/office/drawing/2014/main" id="{0A3033BF-9DA6-8B13-2396-A5F5969D9738}"/>
+                <a16:creationId xmlns:a16="http://schemas.microsoft.com/office/drawing/2014/main" id="{CFB4EC12-C4CC-972A-62A2-FB07E21C59BF}"/>
               </a:ext>
             </a:extLst>
           </p:cNvPr>
@@ -2116,7 +2116,7 @@
           <a:bodyPr/>
           <a:lstStyle/>
           <a:p>
-            <a:fld id="{CB1DA7F9-1301-4C07-92F3-C07FA01A8515}" type="slidenum">
+            <a:fld id="{1223781B-F375-40C1-8616-F3D007087FEE}" type="slidenum">
               <a:rPr lang="zh-CN" altLang="en-US" smtClean="0"/>
               <a:t>‹#›</a:t>
             </a:fld>
@@ -2127,7 +2127,7 @@
     </p:spTree>
     <p:extLst>
       <p:ext uri="{BB962C8B-B14F-4D97-AF65-F5344CB8AC3E}">
-        <p14:creationId xmlns:p14="http://schemas.microsoft.com/office/powerpoint/2010/main" val="3000876269"/>
+        <p14:creationId xmlns:p14="http://schemas.microsoft.com/office/powerpoint/2010/main" val="1995067690"/>
       </p:ext>
     </p:extLst>
   </p:cSld>
@@ -2159,7 +2159,7 @@
           <p:cNvPr id="2" name="标题 1">
             <a:extLst>
               <a:ext uri="{FF2B5EF4-FFF2-40B4-BE49-F238E27FC236}">
-                <a16:creationId xmlns:a16="http://schemas.microsoft.com/office/drawing/2014/main" id="{514D5943-D768-0212-6790-7466EE6D9FAC}"/>
+                <a16:creationId xmlns:a16="http://schemas.microsoft.com/office/drawing/2014/main" id="{BAC0E106-20F9-9420-0055-AC4800F01D31}"/>
               </a:ext>
             </a:extLst>
           </p:cNvPr>
@@ -2196,7 +2196,7 @@
           <p:cNvPr id="3" name="内容占位符 2">
             <a:extLst>
               <a:ext uri="{FF2B5EF4-FFF2-40B4-BE49-F238E27FC236}">
-                <a16:creationId xmlns:a16="http://schemas.microsoft.com/office/drawing/2014/main" id="{87038FFC-2AD6-BF26-18ED-DEB5A31ADC89}"/>
+                <a16:creationId xmlns:a16="http://schemas.microsoft.com/office/drawing/2014/main" id="{D4F56567-E398-16F5-2668-6BAA3724724E}"/>
               </a:ext>
             </a:extLst>
           </p:cNvPr>
@@ -2286,7 +2286,7 @@
           <p:cNvPr id="4" name="文本占位符 3">
             <a:extLst>
               <a:ext uri="{FF2B5EF4-FFF2-40B4-BE49-F238E27FC236}">
-                <a16:creationId xmlns:a16="http://schemas.microsoft.com/office/drawing/2014/main" id="{F188B906-4CCB-1723-191C-5E151DBA98A3}"/>
+                <a16:creationId xmlns:a16="http://schemas.microsoft.com/office/drawing/2014/main" id="{FACA68D5-B3D7-B447-200F-608C4737F862}"/>
               </a:ext>
             </a:extLst>
           </p:cNvPr>
@@ -2357,7 +2357,7 @@
           <p:cNvPr id="5" name="日期占位符 4">
             <a:extLst>
               <a:ext uri="{FF2B5EF4-FFF2-40B4-BE49-F238E27FC236}">
-                <a16:creationId xmlns:a16="http://schemas.microsoft.com/office/drawing/2014/main" id="{30B67BAA-88F0-4D35-E56F-3EB2C7B0B20E}"/>
+                <a16:creationId xmlns:a16="http://schemas.microsoft.com/office/drawing/2014/main" id="{01D90BB9-1B8A-E32D-7697-8C5050AD00F5}"/>
               </a:ext>
             </a:extLst>
           </p:cNvPr>
@@ -2373,7 +2373,7 @@
           <a:bodyPr/>
           <a:lstStyle/>
           <a:p>
-            <a:fld id="{F0DA18D6-AF0C-4F42-97C3-671814C077F2}" type="datetimeFigureOut">
+            <a:fld id="{4B8A7C5B-603C-48EB-BB5B-928BF3CA0026}" type="datetimeFigureOut">
               <a:rPr lang="zh-CN" altLang="en-US" smtClean="0"/>
               <a:t>2024/3/10</a:t>
             </a:fld>
@@ -2386,7 +2386,7 @@
           <p:cNvPr id="6" name="页脚占位符 5">
             <a:extLst>
               <a:ext uri="{FF2B5EF4-FFF2-40B4-BE49-F238E27FC236}">
-                <a16:creationId xmlns:a16="http://schemas.microsoft.com/office/drawing/2014/main" id="{C6C12604-5FB4-1053-930F-75A48D0D9FC3}"/>
+                <a16:creationId xmlns:a16="http://schemas.microsoft.com/office/drawing/2014/main" id="{DF436226-F807-B99F-9D29-41B6C10EC2EB}"/>
               </a:ext>
             </a:extLst>
           </p:cNvPr>
@@ -2411,7 +2411,7 @@
           <p:cNvPr id="7" name="灯片编号占位符 6">
             <a:extLst>
               <a:ext uri="{FF2B5EF4-FFF2-40B4-BE49-F238E27FC236}">
-                <a16:creationId xmlns:a16="http://schemas.microsoft.com/office/drawing/2014/main" id="{11E388C9-D9A6-AB52-2763-97177640357D}"/>
+                <a16:creationId xmlns:a16="http://schemas.microsoft.com/office/drawing/2014/main" id="{AA14C949-C58A-3D6A-9E60-A86D1B82701E}"/>
               </a:ext>
             </a:extLst>
           </p:cNvPr>
@@ -2427,7 +2427,7 @@
           <a:bodyPr/>
           <a:lstStyle/>
           <a:p>
-            <a:fld id="{CB1DA7F9-1301-4C07-92F3-C07FA01A8515}" type="slidenum">
+            <a:fld id="{1223781B-F375-40C1-8616-F3D007087FEE}" type="slidenum">
               <a:rPr lang="zh-CN" altLang="en-US" smtClean="0"/>
               <a:t>‹#›</a:t>
             </a:fld>
@@ -2438,7 +2438,7 @@
     </p:spTree>
     <p:extLst>
       <p:ext uri="{BB962C8B-B14F-4D97-AF65-F5344CB8AC3E}">
-        <p14:creationId xmlns:p14="http://schemas.microsoft.com/office/powerpoint/2010/main" val="1056152494"/>
+        <p14:creationId xmlns:p14="http://schemas.microsoft.com/office/powerpoint/2010/main" val="2201769661"/>
       </p:ext>
     </p:extLst>
   </p:cSld>
@@ -2470,7 +2470,7 @@
           <p:cNvPr id="2" name="标题 1">
             <a:extLst>
               <a:ext uri="{FF2B5EF4-FFF2-40B4-BE49-F238E27FC236}">
-                <a16:creationId xmlns:a16="http://schemas.microsoft.com/office/drawing/2014/main" id="{D939F3F6-90E7-42BF-5024-5FD11E9566D2}"/>
+                <a16:creationId xmlns:a16="http://schemas.microsoft.com/office/drawing/2014/main" id="{C3C80337-33EB-363D-6B84-8F0FB3991EC7}"/>
               </a:ext>
             </a:extLst>
           </p:cNvPr>
@@ -2507,7 +2507,7 @@
           <p:cNvPr id="3" name="图片占位符 2">
             <a:extLst>
               <a:ext uri="{FF2B5EF4-FFF2-40B4-BE49-F238E27FC236}">
-                <a16:creationId xmlns:a16="http://schemas.microsoft.com/office/drawing/2014/main" id="{850C0D0F-D754-7E5E-F656-5119C226CF6B}"/>
+                <a16:creationId xmlns:a16="http://schemas.microsoft.com/office/drawing/2014/main" id="{17E54D1A-193B-0F7B-7056-91BA93CCAC19}"/>
               </a:ext>
             </a:extLst>
           </p:cNvPr>
@@ -2574,7 +2574,7 @@
           <p:cNvPr id="4" name="文本占位符 3">
             <a:extLst>
               <a:ext uri="{FF2B5EF4-FFF2-40B4-BE49-F238E27FC236}">
-                <a16:creationId xmlns:a16="http://schemas.microsoft.com/office/drawing/2014/main" id="{2B85F465-011E-1D4C-0704-24AA47657138}"/>
+                <a16:creationId xmlns:a16="http://schemas.microsoft.com/office/drawing/2014/main" id="{10A78316-2506-844D-2902-A9ECA0F70D18}"/>
               </a:ext>
             </a:extLst>
           </p:cNvPr>
@@ -2645,7 +2645,7 @@
           <p:cNvPr id="5" name="日期占位符 4">
             <a:extLst>
               <a:ext uri="{FF2B5EF4-FFF2-40B4-BE49-F238E27FC236}">
-                <a16:creationId xmlns:a16="http://schemas.microsoft.com/office/drawing/2014/main" id="{71B5D391-0DAE-DBFF-921A-E7493AFEABDE}"/>
+                <a16:creationId xmlns:a16="http://schemas.microsoft.com/office/drawing/2014/main" id="{F2459EE0-C4B1-873B-4BAD-EC1697DD160D}"/>
               </a:ext>
             </a:extLst>
           </p:cNvPr>
@@ -2661,7 +2661,7 @@
           <a:bodyPr/>
           <a:lstStyle/>
           <a:p>
-            <a:fld id="{F0DA18D6-AF0C-4F42-97C3-671814C077F2}" type="datetimeFigureOut">
+            <a:fld id="{4B8A7C5B-603C-48EB-BB5B-928BF3CA0026}" type="datetimeFigureOut">
               <a:rPr lang="zh-CN" altLang="en-US" smtClean="0"/>
               <a:t>2024/3/10</a:t>
             </a:fld>
@@ -2674,7 +2674,7 @@
           <p:cNvPr id="6" name="页脚占位符 5">
             <a:extLst>
               <a:ext uri="{FF2B5EF4-FFF2-40B4-BE49-F238E27FC236}">
-                <a16:creationId xmlns:a16="http://schemas.microsoft.com/office/drawing/2014/main" id="{5704B191-F8CF-B955-1C43-1F9C6B3AEC47}"/>
+                <a16:creationId xmlns:a16="http://schemas.microsoft.com/office/drawing/2014/main" id="{CC7A1AD8-77A3-2A69-DBBD-418DA2261A4F}"/>
               </a:ext>
             </a:extLst>
           </p:cNvPr>
@@ -2699,7 +2699,7 @@
           <p:cNvPr id="7" name="灯片编号占位符 6">
             <a:extLst>
               <a:ext uri="{FF2B5EF4-FFF2-40B4-BE49-F238E27FC236}">
-                <a16:creationId xmlns:a16="http://schemas.microsoft.com/office/drawing/2014/main" id="{6AAEC3B5-0319-A72E-62FF-7FB345C5CD6B}"/>
+                <a16:creationId xmlns:a16="http://schemas.microsoft.com/office/drawing/2014/main" id="{2A0A3FF1-CD72-147B-571C-B388CE7D202B}"/>
               </a:ext>
             </a:extLst>
           </p:cNvPr>
@@ -2715,7 +2715,7 @@
           <a:bodyPr/>
           <a:lstStyle/>
           <a:p>
-            <a:fld id="{CB1DA7F9-1301-4C07-92F3-C07FA01A8515}" type="slidenum">
+            <a:fld id="{1223781B-F375-40C1-8616-F3D007087FEE}" type="slidenum">
               <a:rPr lang="zh-CN" altLang="en-US" smtClean="0"/>
               <a:t>‹#›</a:t>
             </a:fld>
@@ -2726,7 +2726,7 @@
     </p:spTree>
     <p:extLst>
       <p:ext uri="{BB962C8B-B14F-4D97-AF65-F5344CB8AC3E}">
-        <p14:creationId xmlns:p14="http://schemas.microsoft.com/office/powerpoint/2010/main" val="1603130925"/>
+        <p14:creationId xmlns:p14="http://schemas.microsoft.com/office/powerpoint/2010/main" val="3864440563"/>
       </p:ext>
     </p:extLst>
   </p:cSld>
@@ -2763,7 +2763,7 @@
           <p:cNvPr id="2" name="标题占位符 1">
             <a:extLst>
               <a:ext uri="{FF2B5EF4-FFF2-40B4-BE49-F238E27FC236}">
-                <a16:creationId xmlns:a16="http://schemas.microsoft.com/office/drawing/2014/main" id="{3B4F2009-F24B-8CC7-0AAC-C07B5C4048F2}"/>
+                <a16:creationId xmlns:a16="http://schemas.microsoft.com/office/drawing/2014/main" id="{67F0E004-B552-6BC0-BF89-16F30445F4AA}"/>
               </a:ext>
             </a:extLst>
           </p:cNvPr>
@@ -2801,7 +2801,7 @@
           <p:cNvPr id="3" name="文本占位符 2">
             <a:extLst>
               <a:ext uri="{FF2B5EF4-FFF2-40B4-BE49-F238E27FC236}">
-                <a16:creationId xmlns:a16="http://schemas.microsoft.com/office/drawing/2014/main" id="{E34DFB36-D34E-6A98-256B-7783F083F209}"/>
+                <a16:creationId xmlns:a16="http://schemas.microsoft.com/office/drawing/2014/main" id="{CF11486F-7FBD-EA97-8B35-374FBF41BBF9}"/>
               </a:ext>
             </a:extLst>
           </p:cNvPr>
@@ -2868,7 +2868,7 @@
           <p:cNvPr id="4" name="日期占位符 3">
             <a:extLst>
               <a:ext uri="{FF2B5EF4-FFF2-40B4-BE49-F238E27FC236}">
-                <a16:creationId xmlns:a16="http://schemas.microsoft.com/office/drawing/2014/main" id="{FB2C5C47-0041-E802-9CEB-6BE79F88AF83}"/>
+                <a16:creationId xmlns:a16="http://schemas.microsoft.com/office/drawing/2014/main" id="{EA8A7822-F669-811B-CD6B-1A23F3803416}"/>
               </a:ext>
             </a:extLst>
           </p:cNvPr>
@@ -2902,7 +2902,7 @@
             </a:lvl1pPr>
           </a:lstStyle>
           <a:p>
-            <a:fld id="{F0DA18D6-AF0C-4F42-97C3-671814C077F2}" type="datetimeFigureOut">
+            <a:fld id="{4B8A7C5B-603C-48EB-BB5B-928BF3CA0026}" type="datetimeFigureOut">
               <a:rPr lang="zh-CN" altLang="en-US" smtClean="0"/>
               <a:t>2024/3/10</a:t>
             </a:fld>
@@ -2915,7 +2915,7 @@
           <p:cNvPr id="5" name="页脚占位符 4">
             <a:extLst>
               <a:ext uri="{FF2B5EF4-FFF2-40B4-BE49-F238E27FC236}">
-                <a16:creationId xmlns:a16="http://schemas.microsoft.com/office/drawing/2014/main" id="{A9CC8800-721C-66B0-54B2-B52AFF7B6047}"/>
+                <a16:creationId xmlns:a16="http://schemas.microsoft.com/office/drawing/2014/main" id="{EE96BE12-76A6-5489-A899-B101FEB31BD8}"/>
               </a:ext>
             </a:extLst>
           </p:cNvPr>
@@ -2958,7 +2958,7 @@
           <p:cNvPr id="6" name="灯片编号占位符 5">
             <a:extLst>
               <a:ext uri="{FF2B5EF4-FFF2-40B4-BE49-F238E27FC236}">
-                <a16:creationId xmlns:a16="http://schemas.microsoft.com/office/drawing/2014/main" id="{8BCF8D5D-E7E2-EBCF-C78A-4CC36F18F522}"/>
+                <a16:creationId xmlns:a16="http://schemas.microsoft.com/office/drawing/2014/main" id="{68ACDD16-C93A-7857-4BF2-3F76B37B4034}"/>
               </a:ext>
             </a:extLst>
           </p:cNvPr>
@@ -2992,7 +2992,7 @@
             </a:lvl1pPr>
           </a:lstStyle>
           <a:p>
-            <a:fld id="{CB1DA7F9-1301-4C07-92F3-C07FA01A8515}" type="slidenum">
+            <a:fld id="{1223781B-F375-40C1-8616-F3D007087FEE}" type="slidenum">
               <a:rPr lang="zh-CN" altLang="en-US" smtClean="0"/>
               <a:t>‹#›</a:t>
             </a:fld>
@@ -3003,7 +3003,7 @@
     </p:spTree>
     <p:extLst>
       <p:ext uri="{BB962C8B-B14F-4D97-AF65-F5344CB8AC3E}">
-        <p14:creationId xmlns:p14="http://schemas.microsoft.com/office/powerpoint/2010/main" val="2373588468"/>
+        <p14:creationId xmlns:p14="http://schemas.microsoft.com/office/powerpoint/2010/main" val="2874078500"/>
       </p:ext>
     </p:extLst>
   </p:cSld>
